--- a/vignettes/images/images.pptx
+++ b/vignettes/images/images.pptx
@@ -105,7 +105,16 @@
       </a:defRPr>
     </a:lvl9pPr>
   </p:defaultTextStyle>
+  <p:extLst>
+    <p:ext uri="{EFAFB233-063F-42B5-8137-9DF3F51BA10A}">
+      <p15:sldGuideLst xmlns:p15="http://schemas.microsoft.com/office/powerpoint/2012/main"/>
+    </p:ext>
+  </p:extLst>
 </p:presentation>
+</file>
+
+<file path=ppt/revisionInfo.xml><?xml version="1.0" encoding="utf-8"?>
+<p1510:revInfo xmlns:a="http://schemas.openxmlformats.org/drawingml/2006/main" xmlns:r="http://schemas.openxmlformats.org/officeDocument/2006/relationships" xmlns:p1510="http://schemas.microsoft.com/office/powerpoint/2015/10/main"/>
 </file>
 
 <file path=ppt/slideLayouts/slideLayout1.xml><?xml version="1.0" encoding="utf-8"?>
@@ -239,7 +248,7 @@
           <a:p>
             <a:fld id="{0977E934-55A3-4928-9DD6-E352CFB32F4D}" type="datetimeFigureOut">
               <a:rPr lang="fr-FR" smtClean="0"/>
-              <a:t>24/08/2017</a:t>
+              <a:t>04/10/2017</a:t>
             </a:fld>
             <a:endParaRPr lang="fr-FR"/>
           </a:p>
@@ -409,7 +418,7 @@
           <a:p>
             <a:fld id="{0977E934-55A3-4928-9DD6-E352CFB32F4D}" type="datetimeFigureOut">
               <a:rPr lang="fr-FR" smtClean="0"/>
-              <a:t>24/08/2017</a:t>
+              <a:t>04/10/2017</a:t>
             </a:fld>
             <a:endParaRPr lang="fr-FR"/>
           </a:p>
@@ -589,7 +598,7 @@
           <a:p>
             <a:fld id="{0977E934-55A3-4928-9DD6-E352CFB32F4D}" type="datetimeFigureOut">
               <a:rPr lang="fr-FR" smtClean="0"/>
-              <a:t>24/08/2017</a:t>
+              <a:t>04/10/2017</a:t>
             </a:fld>
             <a:endParaRPr lang="fr-FR"/>
           </a:p>
@@ -759,7 +768,7 @@
           <a:p>
             <a:fld id="{0977E934-55A3-4928-9DD6-E352CFB32F4D}" type="datetimeFigureOut">
               <a:rPr lang="fr-FR" smtClean="0"/>
-              <a:t>24/08/2017</a:t>
+              <a:t>04/10/2017</a:t>
             </a:fld>
             <a:endParaRPr lang="fr-FR"/>
           </a:p>
@@ -1005,7 +1014,7 @@
           <a:p>
             <a:fld id="{0977E934-55A3-4928-9DD6-E352CFB32F4D}" type="datetimeFigureOut">
               <a:rPr lang="fr-FR" smtClean="0"/>
-              <a:t>24/08/2017</a:t>
+              <a:t>04/10/2017</a:t>
             </a:fld>
             <a:endParaRPr lang="fr-FR"/>
           </a:p>
@@ -1237,7 +1246,7 @@
           <a:p>
             <a:fld id="{0977E934-55A3-4928-9DD6-E352CFB32F4D}" type="datetimeFigureOut">
               <a:rPr lang="fr-FR" smtClean="0"/>
-              <a:t>24/08/2017</a:t>
+              <a:t>04/10/2017</a:t>
             </a:fld>
             <a:endParaRPr lang="fr-FR"/>
           </a:p>
@@ -1604,7 +1613,7 @@
           <a:p>
             <a:fld id="{0977E934-55A3-4928-9DD6-E352CFB32F4D}" type="datetimeFigureOut">
               <a:rPr lang="fr-FR" smtClean="0"/>
-              <a:t>24/08/2017</a:t>
+              <a:t>04/10/2017</a:t>
             </a:fld>
             <a:endParaRPr lang="fr-FR"/>
           </a:p>
@@ -1722,7 +1731,7 @@
           <a:p>
             <a:fld id="{0977E934-55A3-4928-9DD6-E352CFB32F4D}" type="datetimeFigureOut">
               <a:rPr lang="fr-FR" smtClean="0"/>
-              <a:t>24/08/2017</a:t>
+              <a:t>04/10/2017</a:t>
             </a:fld>
             <a:endParaRPr lang="fr-FR"/>
           </a:p>
@@ -1817,7 +1826,7 @@
           <a:p>
             <a:fld id="{0977E934-55A3-4928-9DD6-E352CFB32F4D}" type="datetimeFigureOut">
               <a:rPr lang="fr-FR" smtClean="0"/>
-              <a:t>24/08/2017</a:t>
+              <a:t>04/10/2017</a:t>
             </a:fld>
             <a:endParaRPr lang="fr-FR"/>
           </a:p>
@@ -2094,7 +2103,7 @@
           <a:p>
             <a:fld id="{0977E934-55A3-4928-9DD6-E352CFB32F4D}" type="datetimeFigureOut">
               <a:rPr lang="fr-FR" smtClean="0"/>
-              <a:t>24/08/2017</a:t>
+              <a:t>04/10/2017</a:t>
             </a:fld>
             <a:endParaRPr lang="fr-FR"/>
           </a:p>
@@ -2347,7 +2356,7 @@
           <a:p>
             <a:fld id="{0977E934-55A3-4928-9DD6-E352CFB32F4D}" type="datetimeFigureOut">
               <a:rPr lang="fr-FR" smtClean="0"/>
-              <a:t>24/08/2017</a:t>
+              <a:t>04/10/2017</a:t>
             </a:fld>
             <a:endParaRPr lang="fr-FR"/>
           </a:p>
@@ -2560,7 +2569,7 @@
           <a:p>
             <a:fld id="{0977E934-55A3-4928-9DD6-E352CFB32F4D}" type="datetimeFigureOut">
               <a:rPr lang="fr-FR" smtClean="0"/>
-              <a:t>24/08/2017</a:t>
+              <a:t>04/10/2017</a:t>
             </a:fld>
             <a:endParaRPr lang="fr-FR"/>
           </a:p>
@@ -3049,7 +3058,7 @@
                 <a:solidFill>
                   <a:schemeClr val="tx1"/>
                 </a:solidFill>
-                <a:latin typeface="Quicksand" panose="02070303000000060000" pitchFamily="18" charset="0"/>
+                <a:latin typeface="ABeeZee" panose="02000000000000000000" pitchFamily="50" charset="0"/>
                 <a:ea typeface="Roboto Bk" pitchFamily="2" charset="0"/>
               </a:rPr>
               <a:t>ps</a:t>
@@ -3059,7 +3068,7 @@
                 <a:solidFill>
                   <a:srgbClr val="FF0000"/>
                 </a:solidFill>
-                <a:latin typeface="Quicksand" panose="02070303000000060000" pitchFamily="18" charset="0"/>
+                <a:latin typeface="ABeeZee" panose="02000000000000000000" pitchFamily="50" charset="0"/>
                 <a:ea typeface="Roboto Bk" pitchFamily="2" charset="0"/>
               </a:rPr>
               <a:t>y</a:t>
@@ -3069,7 +3078,7 @@
                 <a:solidFill>
                   <a:schemeClr val="tx1"/>
                 </a:solidFill>
-                <a:latin typeface="Quicksand" panose="02070303000000060000" pitchFamily="18" charset="0"/>
+                <a:latin typeface="ABeeZee" panose="02000000000000000000" pitchFamily="50" charset="0"/>
                 <a:ea typeface="Roboto Bk" pitchFamily="2" charset="0"/>
               </a:rPr>
               <a:t>chobject</a:t>
@@ -3078,7 +3087,7 @@
               <a:solidFill>
                 <a:schemeClr val="tx1"/>
               </a:solidFill>
-              <a:latin typeface="Quicksand" panose="02070303000000060000" pitchFamily="18" charset="0"/>
+              <a:latin typeface="ABeeZee" panose="02000000000000000000" pitchFamily="50" charset="0"/>
               <a:ea typeface="Roboto Bk" pitchFamily="2" charset="0"/>
             </a:endParaRPr>
           </a:p>
@@ -3125,33 +3134,33 @@
           <a:p>
             <a:pPr algn="ctr"/>
             <a:r>
-              <a:rPr lang="fr-FR" sz="4800" b="1" dirty="0">
+              <a:rPr lang="fr-FR" sz="5400" b="1" dirty="0">
                 <a:solidFill>
                   <a:schemeClr val="tx1"/>
                 </a:solidFill>
-                <a:latin typeface="Quicksand" panose="02070303000000060000" pitchFamily="18" charset="0"/>
+                <a:latin typeface="ABeeZee" panose="02000000000000000000" pitchFamily="50" charset="0"/>
                 <a:ea typeface="Roboto Bk" pitchFamily="2" charset="0"/>
                 <a:cs typeface="Calibri" panose="020F0502020204030204" pitchFamily="34" charset="0"/>
               </a:rPr>
               <a:t>PS</a:t>
             </a:r>
             <a:r>
-              <a:rPr lang="el-GR" sz="5100" b="1" dirty="0">
+              <a:rPr lang="el-GR" sz="5400" b="1" dirty="0">
                 <a:solidFill>
                   <a:srgbClr val="FF0000"/>
                 </a:solidFill>
-                <a:latin typeface="+mj-lt"/>
+                <a:latin typeface="Arial Narrow" panose="020B0606020202030204" pitchFamily="34" charset="0"/>
                 <a:ea typeface="Roboto Bk" pitchFamily="2" charset="0"/>
                 <a:cs typeface="Calibri" panose="020F0502020204030204" pitchFamily="34" charset="0"/>
               </a:rPr>
               <a:t>Ψ</a:t>
             </a:r>
             <a:r>
-              <a:rPr lang="fr-FR" sz="4800" b="1" dirty="0">
+              <a:rPr lang="fr-FR" sz="5400" b="1" dirty="0">
                 <a:solidFill>
                   <a:schemeClr val="tx1"/>
                 </a:solidFill>
-                <a:latin typeface="Quicksand" panose="02070303000000060000" pitchFamily="18" charset="0"/>
+                <a:latin typeface="ABeeZee" panose="02000000000000000000" pitchFamily="50" charset="0"/>
                 <a:ea typeface="Roboto Bk" pitchFamily="2" charset="0"/>
                 <a:cs typeface="Calibri" panose="020F0502020204030204" pitchFamily="34" charset="0"/>
               </a:rPr>
@@ -3387,7 +3396,7 @@
               <a:r>
                 <a:rPr lang="fr-FR" sz="2400" b="1" dirty="0" err="1">
                   <a:solidFill>
-                    <a:srgbClr val="0070C0"/>
+                    <a:srgbClr val="00B050"/>
                   </a:solidFill>
                   <a:latin typeface="Consolas" panose="020B0609020204030204" pitchFamily="49" charset="0"/>
                   <a:ea typeface="Roboto Bk" pitchFamily="2" charset="0"/>
@@ -3398,7 +3407,7 @@
               <a:r>
                 <a:rPr lang="fr-FR" sz="2400" b="1" dirty="0">
                   <a:solidFill>
-                    <a:srgbClr val="0070C0"/>
+                    <a:srgbClr val="00B050"/>
                   </a:solidFill>
                   <a:latin typeface="Consolas" panose="020B0609020204030204" pitchFamily="49" charset="0"/>
                   <a:ea typeface="Roboto Bk" pitchFamily="2" charset="0"/>
@@ -3452,7 +3461,7 @@
               <a:r>
                 <a:rPr lang="fr-FR" sz="2400" b="1" dirty="0">
                   <a:solidFill>
-                    <a:srgbClr val="0070C0"/>
+                    <a:srgbClr val="00B050"/>
                   </a:solidFill>
                   <a:latin typeface="Consolas" panose="020B0609020204030204" pitchFamily="49" charset="0"/>
                   <a:ea typeface="Roboto Bk" pitchFamily="2" charset="0"/>
@@ -3506,7 +3515,7 @@
               <a:r>
                 <a:rPr lang="fr-FR" sz="2400" b="1" dirty="0" err="1">
                   <a:solidFill>
-                    <a:srgbClr val="0070C0"/>
+                    <a:srgbClr val="00B050"/>
                   </a:solidFill>
                   <a:latin typeface="Consolas" panose="020B0609020204030204" pitchFamily="49" charset="0"/>
                   <a:ea typeface="Roboto Bk" pitchFamily="2" charset="0"/>
@@ -3517,7 +3526,7 @@
               <a:r>
                 <a:rPr lang="fr-FR" sz="2400" b="1" dirty="0">
                   <a:solidFill>
-                    <a:srgbClr val="0070C0"/>
+                    <a:srgbClr val="00B050"/>
                   </a:solidFill>
                   <a:latin typeface="Consolas" panose="020B0609020204030204" pitchFamily="49" charset="0"/>
                   <a:ea typeface="Roboto Bk" pitchFamily="2" charset="0"/>
@@ -3571,7 +3580,7 @@
               <a:r>
                 <a:rPr lang="fr-FR" sz="2400" b="1" dirty="0">
                   <a:solidFill>
-                    <a:srgbClr val="0070C0"/>
+                    <a:srgbClr val="00B050"/>
                   </a:solidFill>
                   <a:latin typeface="Consolas" panose="020B0609020204030204" pitchFamily="49" charset="0"/>
                   <a:ea typeface="Roboto Bk" pitchFamily="2" charset="0"/>
@@ -3857,6 +3866,148 @@
           </a:p>
         </p:txBody>
       </p:sp>
+      <p:sp>
+        <p:nvSpPr>
+          <p:cNvPr id="20" name="Rectangle 19">
+            <a:extLst>
+              <a:ext uri="{FF2B5EF4-FFF2-40B4-BE49-F238E27FC236}">
+                <a16:creationId xmlns:a16="http://schemas.microsoft.com/office/drawing/2014/main" id="{DC4E932A-A851-4207-8257-91775AB92563}"/>
+              </a:ext>
+            </a:extLst>
+          </p:cNvPr>
+          <p:cNvSpPr/>
+          <p:nvPr/>
+        </p:nvSpPr>
+        <p:spPr>
+          <a:xfrm>
+            <a:off x="2005665" y="650515"/>
+            <a:ext cx="2032715" cy="539169"/>
+          </a:xfrm>
+          <a:prstGeom prst="rect">
+            <a:avLst/>
+          </a:prstGeom>
+          <a:noFill/>
+          <a:ln>
+            <a:noFill/>
+          </a:ln>
+        </p:spPr>
+        <p:style>
+          <a:lnRef idx="2">
+            <a:schemeClr val="accent1">
+              <a:shade val="50000"/>
+            </a:schemeClr>
+          </a:lnRef>
+          <a:fillRef idx="1">
+            <a:schemeClr val="accent1"/>
+          </a:fillRef>
+          <a:effectRef idx="0">
+            <a:schemeClr val="accent1"/>
+          </a:effectRef>
+          <a:fontRef idx="minor">
+            <a:schemeClr val="lt1"/>
+          </a:fontRef>
+        </p:style>
+        <p:txBody>
+          <a:bodyPr rtlCol="0" anchor="ctr"/>
+          <a:lstStyle/>
+          <a:p>
+            <a:pPr algn="ctr"/>
+            <a:r>
+              <a:rPr lang="fr-FR" sz="2400" b="1" dirty="0" err="1">
+                <a:solidFill>
+                  <a:srgbClr val="0070C0"/>
+                </a:solidFill>
+                <a:latin typeface="Consolas" panose="020B0609020204030204" pitchFamily="49" charset="0"/>
+                <a:ea typeface="Roboto Bk" pitchFamily="2" charset="0"/>
+                <a:cs typeface="Courier New" panose="02070309020205020404" pitchFamily="49" charset="0"/>
+              </a:rPr>
+              <a:t>lmer</a:t>
+            </a:r>
+            <a:r>
+              <a:rPr lang="fr-FR" sz="2400" b="1" dirty="0">
+                <a:solidFill>
+                  <a:srgbClr val="0070C0"/>
+                </a:solidFill>
+                <a:latin typeface="Consolas" panose="020B0609020204030204" pitchFamily="49" charset="0"/>
+                <a:ea typeface="Roboto Bk" pitchFamily="2" charset="0"/>
+                <a:cs typeface="Courier New" panose="02070309020205020404" pitchFamily="49" charset="0"/>
+              </a:rPr>
+              <a:t>()</a:t>
+            </a:r>
+          </a:p>
+        </p:txBody>
+      </p:sp>
+      <p:sp>
+        <p:nvSpPr>
+          <p:cNvPr id="21" name="Rectangle 20">
+            <a:extLst>
+              <a:ext uri="{FF2B5EF4-FFF2-40B4-BE49-F238E27FC236}">
+                <a16:creationId xmlns:a16="http://schemas.microsoft.com/office/drawing/2014/main" id="{3C4EDE18-5E4B-4209-9177-9F54FED082A2}"/>
+              </a:ext>
+            </a:extLst>
+          </p:cNvPr>
+          <p:cNvSpPr/>
+          <p:nvPr/>
+        </p:nvSpPr>
+        <p:spPr>
+          <a:xfrm>
+            <a:off x="108114" y="1536742"/>
+            <a:ext cx="2207296" cy="539169"/>
+          </a:xfrm>
+          <a:prstGeom prst="rect">
+            <a:avLst/>
+          </a:prstGeom>
+          <a:noFill/>
+          <a:ln>
+            <a:noFill/>
+          </a:ln>
+        </p:spPr>
+        <p:style>
+          <a:lnRef idx="2">
+            <a:schemeClr val="accent1">
+              <a:shade val="50000"/>
+            </a:schemeClr>
+          </a:lnRef>
+          <a:fillRef idx="1">
+            <a:schemeClr val="accent1"/>
+          </a:fillRef>
+          <a:effectRef idx="0">
+            <a:schemeClr val="accent1"/>
+          </a:effectRef>
+          <a:fontRef idx="minor">
+            <a:schemeClr val="lt1"/>
+          </a:fontRef>
+        </p:style>
+        <p:txBody>
+          <a:bodyPr rtlCol="0" anchor="ctr"/>
+          <a:lstStyle/>
+          <a:p>
+            <a:pPr algn="ctr"/>
+            <a:r>
+              <a:rPr lang="fr-FR" sz="2400" b="1" dirty="0" err="1">
+                <a:solidFill>
+                  <a:srgbClr val="0070C0"/>
+                </a:solidFill>
+                <a:latin typeface="Consolas" panose="020B0609020204030204" pitchFamily="49" charset="0"/>
+                <a:ea typeface="Roboto Bk" pitchFamily="2" charset="0"/>
+                <a:cs typeface="Courier New" panose="02070309020205020404" pitchFamily="49" charset="0"/>
+              </a:rPr>
+              <a:t>Stan_lmer</a:t>
+            </a:r>
+            <a:r>
+              <a:rPr lang="fr-FR" sz="2400" b="1" dirty="0">
+                <a:solidFill>
+                  <a:srgbClr val="0070C0"/>
+                </a:solidFill>
+                <a:latin typeface="Consolas" panose="020B0609020204030204" pitchFamily="49" charset="0"/>
+                <a:ea typeface="Roboto Bk" pitchFamily="2" charset="0"/>
+                <a:cs typeface="Courier New" panose="02070309020205020404" pitchFamily="49" charset="0"/>
+              </a:rPr>
+              <a:t>()</a:t>
+            </a:r>
+          </a:p>
+        </p:txBody>
+      </p:sp>
     </p:spTree>
     <p:extLst>
       <p:ext uri="{BB962C8B-B14F-4D97-AF65-F5344CB8AC3E}">
@@ -3932,7 +4083,7 @@
                 <a:solidFill>
                   <a:schemeClr val="tx1"/>
                 </a:solidFill>
-                <a:latin typeface="Quicksand" panose="02070303000000060000" pitchFamily="18" charset="0"/>
+                <a:latin typeface="ABeeZee" panose="02000000000000000000" pitchFamily="50" charset="0"/>
                 <a:ea typeface="Roboto Bk" pitchFamily="2" charset="0"/>
                 <a:cs typeface="Calibri" panose="020F0502020204030204" pitchFamily="34" charset="0"/>
               </a:rPr>
@@ -3943,7 +4094,7 @@
                 <a:solidFill>
                   <a:srgbClr val="FF0000"/>
                 </a:solidFill>
-                <a:latin typeface="+mj-lt"/>
+                <a:latin typeface="Arial Narrow" panose="020B0606020202030204" pitchFamily="34" charset="0"/>
                 <a:ea typeface="Roboto Bk" pitchFamily="2" charset="0"/>
                 <a:cs typeface="Calibri" panose="020F0502020204030204" pitchFamily="34" charset="0"/>
               </a:rPr>
@@ -3954,7 +4105,7 @@
                 <a:solidFill>
                   <a:schemeClr val="tx1"/>
                 </a:solidFill>
-                <a:latin typeface="Quicksand" panose="02070303000000060000" pitchFamily="18" charset="0"/>
+                <a:latin typeface="ABeeZee" panose="02000000000000000000" pitchFamily="50" charset="0"/>
                 <a:ea typeface="Roboto Bk" pitchFamily="2" charset="0"/>
                 <a:cs typeface="Calibri" panose="020F0502020204030204" pitchFamily="34" charset="0"/>
               </a:rPr>
